--- a/spring11/slides11/slides3m.pptx
+++ b/spring11/slides11/slides3m.pptx
@@ -8040,8 +8040,8 @@
         </p:nvSpPr>
         <p:spPr bwMode="auto">
           <a:xfrm>
-            <a:off x="7864980" y="6515100"/>
-            <a:ext cx="1228221" cy="307777"/>
+            <a:off x="7819971" y="6515100"/>
+            <a:ext cx="1273230" cy="307777"/>
           </a:xfrm>
           <a:prstGeom prst="rect">
             <a:avLst/>
@@ -8081,22 +8081,13 @@
               <a:t>lec</a:t>
             </a:r>
             <a:r>
-              <a:rPr lang="en-US" sz="1200" dirty="0">
+              <a:rPr lang="en-US" sz="1200" dirty="0" smtClean="0">
                 <a:solidFill>
                   <a:srgbClr val="000000"/>
                 </a:solidFill>
                 <a:latin typeface="Comic Sans MS" pitchFamily="66" charset="0"/>
               </a:rPr>
-              <a:t> </a:t>
-            </a:r>
-            <a:r>
-              <a:rPr lang="en-US" sz="1200" dirty="0" smtClean="0">
-                <a:solidFill>
-                  <a:srgbClr val="000000"/>
-                </a:solidFill>
-                <a:latin typeface="Comic Sans MS" pitchFamily="66" charset="0"/>
-              </a:rPr>
-              <a:t>2F.</a:t>
+              <a:t> 3M.</a:t>
             </a:r>
             <a:fld id="{89C6A585-43E0-42A7-B7F4-EFE79D431EC1}" type="slidenum">
               <a:rPr lang="en-US" sz="1200" smtClean="0">
@@ -8128,7 +8119,7 @@
         <p:spPr bwMode="auto">
           <a:xfrm>
             <a:off x="4125913" y="6611938"/>
-            <a:ext cx="1271828" cy="246221"/>
+            <a:ext cx="1251289" cy="246221"/>
           </a:xfrm>
           <a:prstGeom prst="rect">
             <a:avLst/>
@@ -8155,7 +8146,13 @@
               <a:rPr lang="en-US" sz="1000" dirty="0" smtClean="0">
                 <a:latin typeface="Comic Sans MS" pitchFamily="66" charset="0"/>
               </a:rPr>
-              <a:t>February 12, 2010</a:t>
+              <a:t>February </a:t>
+            </a:r>
+            <a:r>
+              <a:rPr lang="en-US" sz="1000" dirty="0" smtClean="0">
+                <a:latin typeface="Comic Sans MS" pitchFamily="66" charset="0"/>
+              </a:rPr>
+              <a:t>14, 2011</a:t>
             </a:r>
             <a:endParaRPr lang="en-US" sz="1000" dirty="0">
               <a:latin typeface="Comic Sans MS" pitchFamily="66" charset="0"/>
@@ -9626,7 +9623,7 @@
 </file>
 
 <file path=ppt/slides/slide11.xml><?xml version="1.0" encoding="utf-8"?>
-<p:sld xmlns:a="http://schemas.openxmlformats.org/drawingml/2006/main" xmlns:r="http://schemas.openxmlformats.org/officeDocument/2006/relationships" xmlns:mc="http://schemas.openxmlformats.org/markup-compatibility/2006" xmlns:mv="urn:schemas-microsoft-com:mac:vml" xmlns:p="http://schemas.openxmlformats.org/presentationml/2006/main" mc:Ignorable="mv" mc:PreserveAttributes="mv:*" show="0">
+<p:sld xmlns:a="http://schemas.openxmlformats.org/drawingml/2006/main" xmlns:r="http://schemas.openxmlformats.org/officeDocument/2006/relationships" xmlns:mc="http://schemas.openxmlformats.org/markup-compatibility/2006" xmlns:mv="urn:schemas-microsoft-com:mac:vml" xmlns:p="http://schemas.openxmlformats.org/presentationml/2006/main" mc:Ignorable="mv" mc:PreserveAttributes="mv:*">
   <p:cSld>
     <p:spTree>
       <p:nvGrpSpPr>
@@ -9859,7 +9856,7 @@
 </file>
 
 <file path=ppt/slides/slide12.xml><?xml version="1.0" encoding="utf-8"?>
-<p:sld xmlns:a="http://schemas.openxmlformats.org/drawingml/2006/main" xmlns:r="http://schemas.openxmlformats.org/officeDocument/2006/relationships" xmlns:mc="http://schemas.openxmlformats.org/markup-compatibility/2006" xmlns:mv="urn:schemas-microsoft-com:mac:vml" xmlns:p="http://schemas.openxmlformats.org/presentationml/2006/main" mc:Ignorable="mv" mc:PreserveAttributes="mv:*" show="0">
+<p:sld xmlns:a="http://schemas.openxmlformats.org/drawingml/2006/main" xmlns:r="http://schemas.openxmlformats.org/officeDocument/2006/relationships" xmlns:mc="http://schemas.openxmlformats.org/markup-compatibility/2006" xmlns:mv="urn:schemas-microsoft-com:mac:vml" xmlns:p="http://schemas.openxmlformats.org/presentationml/2006/main" mc:Ignorable="mv" mc:PreserveAttributes="mv:*">
   <p:cSld>
     <p:spTree>
       <p:nvGrpSpPr>
@@ -11930,7 +11927,7 @@
 </file>
 
 <file path=ppt/slides/slide17.xml><?xml version="1.0" encoding="utf-8"?>
-<p:sld xmlns:a="http://schemas.openxmlformats.org/drawingml/2006/main" xmlns:r="http://schemas.openxmlformats.org/officeDocument/2006/relationships" xmlns:mc="http://schemas.openxmlformats.org/markup-compatibility/2006" xmlns:mv="urn:schemas-microsoft-com:mac:vml" xmlns:p="http://schemas.openxmlformats.org/presentationml/2006/main" mc:Ignorable="mv" mc:PreserveAttributes="mv:*">
+<p:sld xmlns:a="http://schemas.openxmlformats.org/drawingml/2006/main" xmlns:r="http://schemas.openxmlformats.org/officeDocument/2006/relationships" xmlns:mc="http://schemas.openxmlformats.org/markup-compatibility/2006" xmlns:mv="urn:schemas-microsoft-com:mac:vml" xmlns:p="http://schemas.openxmlformats.org/presentationml/2006/main" mc:Ignorable="mv" mc:PreserveAttributes="mv:*" show="0">
   <p:cSld>
     <p:spTree>
       <p:nvGrpSpPr>
@@ -35859,7 +35856,7 @@
 </file>
 
 <file path=ppt/slides/slide44.xml><?xml version="1.0" encoding="utf-8"?>
-<p:sld xmlns:a="http://schemas.openxmlformats.org/drawingml/2006/main" xmlns:r="http://schemas.openxmlformats.org/officeDocument/2006/relationships" xmlns:mc="http://schemas.openxmlformats.org/markup-compatibility/2006" xmlns:mv="urn:schemas-microsoft-com:mac:vml" xmlns:p="http://schemas.openxmlformats.org/presentationml/2006/main" mc:Ignorable="mv" mc:PreserveAttributes="mv:*">
+<p:sld xmlns:a="http://schemas.openxmlformats.org/drawingml/2006/main" xmlns:r="http://schemas.openxmlformats.org/officeDocument/2006/relationships" xmlns:mc="http://schemas.openxmlformats.org/markup-compatibility/2006" xmlns:mv="urn:schemas-microsoft-com:mac:vml" xmlns:p="http://schemas.openxmlformats.org/presentationml/2006/main" mc:Ignorable="mv" mc:PreserveAttributes="mv:*" show="0">
   <p:cSld>
     <p:spTree>
       <p:nvGrpSpPr>
@@ -43427,7 +43424,7 @@
 </file>
 
 <file path=ppt/slides/slide53.xml><?xml version="1.0" encoding="utf-8"?>
-<p:sld xmlns:a="http://schemas.openxmlformats.org/drawingml/2006/main" xmlns:r="http://schemas.openxmlformats.org/officeDocument/2006/relationships" xmlns:mc="http://schemas.openxmlformats.org/markup-compatibility/2006" xmlns:mv="urn:schemas-microsoft-com:mac:vml" xmlns:p="http://schemas.openxmlformats.org/presentationml/2006/main" mc:Ignorable="mv" mc:PreserveAttributes="mv:*">
+<p:sld xmlns:a="http://schemas.openxmlformats.org/drawingml/2006/main" xmlns:r="http://schemas.openxmlformats.org/officeDocument/2006/relationships" xmlns:mc="http://schemas.openxmlformats.org/markup-compatibility/2006" xmlns:mv="urn:schemas-microsoft-com:mac:vml" xmlns:p="http://schemas.openxmlformats.org/presentationml/2006/main" mc:Ignorable="mv" mc:PreserveAttributes="mv:*" show="0">
   <p:cSld>
     <p:spTree>
       <p:nvGrpSpPr>
@@ -47609,7 +47606,7 @@
 </file>
 
 <file path=ppt/slides/slide58.xml><?xml version="1.0" encoding="utf-8"?>
-<p:sld xmlns:a="http://schemas.openxmlformats.org/drawingml/2006/main" xmlns:r="http://schemas.openxmlformats.org/officeDocument/2006/relationships" xmlns:mc="http://schemas.openxmlformats.org/markup-compatibility/2006" xmlns:mv="urn:schemas-microsoft-com:mac:vml" xmlns:p="http://schemas.openxmlformats.org/presentationml/2006/main" mc:Ignorable="mv" mc:PreserveAttributes="mv:*">
+<p:sld xmlns:a="http://schemas.openxmlformats.org/drawingml/2006/main" xmlns:r="http://schemas.openxmlformats.org/officeDocument/2006/relationships" xmlns:mc="http://schemas.openxmlformats.org/markup-compatibility/2006" xmlns:mv="urn:schemas-microsoft-com:mac:vml" xmlns:p="http://schemas.openxmlformats.org/presentationml/2006/main" mc:Ignorable="mv" mc:PreserveAttributes="mv:*" show="0">
   <p:cSld>
     <p:spTree>
       <p:nvGrpSpPr>
@@ -51022,7 +51019,7 @@
 </file>
 
 <file path=ppt/slides/slide62.xml><?xml version="1.0" encoding="utf-8"?>
-<p:sld xmlns:a="http://schemas.openxmlformats.org/drawingml/2006/main" xmlns:r="http://schemas.openxmlformats.org/officeDocument/2006/relationships" xmlns:mc="http://schemas.openxmlformats.org/markup-compatibility/2006" xmlns:mv="urn:schemas-microsoft-com:mac:vml" xmlns:p="http://schemas.openxmlformats.org/presentationml/2006/main" mc:Ignorable="mv" mc:PreserveAttributes="mv:*">
+<p:sld xmlns:a="http://schemas.openxmlformats.org/drawingml/2006/main" xmlns:r="http://schemas.openxmlformats.org/officeDocument/2006/relationships" xmlns:mc="http://schemas.openxmlformats.org/markup-compatibility/2006" xmlns:mv="urn:schemas-microsoft-com:mac:vml" xmlns:p="http://schemas.openxmlformats.org/presentationml/2006/main" mc:Ignorable="mv" mc:PreserveAttributes="mv:*" show="0">
   <p:cSld>
     <p:spTree>
       <p:nvGrpSpPr>
@@ -52240,7 +52237,7 @@
 </file>
 
 <file path=ppt/slides/slide63.xml><?xml version="1.0" encoding="utf-8"?>
-<p:sld xmlns:a="http://schemas.openxmlformats.org/drawingml/2006/main" xmlns:r="http://schemas.openxmlformats.org/officeDocument/2006/relationships" xmlns:mc="http://schemas.openxmlformats.org/markup-compatibility/2006" xmlns:mv="urn:schemas-microsoft-com:mac:vml" xmlns:p="http://schemas.openxmlformats.org/presentationml/2006/main" mc:Ignorable="mv" mc:PreserveAttributes="mv:*">
+<p:sld xmlns:a="http://schemas.openxmlformats.org/drawingml/2006/main" xmlns:r="http://schemas.openxmlformats.org/officeDocument/2006/relationships" xmlns:mc="http://schemas.openxmlformats.org/markup-compatibility/2006" xmlns:mv="urn:schemas-microsoft-com:mac:vml" xmlns:p="http://schemas.openxmlformats.org/presentationml/2006/main" mc:Ignorable="mv" mc:PreserveAttributes="mv:*" show="0">
   <p:cSld>
     <p:spTree>
       <p:nvGrpSpPr>
@@ -53462,7 +53459,7 @@
 </file>
 
 <file path=ppt/slides/slide64.xml><?xml version="1.0" encoding="utf-8"?>
-<p:sld xmlns:a="http://schemas.openxmlformats.org/drawingml/2006/main" xmlns:r="http://schemas.openxmlformats.org/officeDocument/2006/relationships" xmlns:mc="http://schemas.openxmlformats.org/markup-compatibility/2006" xmlns:mv="urn:schemas-microsoft-com:mac:vml" xmlns:p="http://schemas.openxmlformats.org/presentationml/2006/main" mc:Ignorable="mv" mc:PreserveAttributes="mv:*">
+<p:sld xmlns:a="http://schemas.openxmlformats.org/drawingml/2006/main" xmlns:r="http://schemas.openxmlformats.org/officeDocument/2006/relationships" xmlns:mc="http://schemas.openxmlformats.org/markup-compatibility/2006" xmlns:mv="urn:schemas-microsoft-com:mac:vml" xmlns:p="http://schemas.openxmlformats.org/presentationml/2006/main" mc:Ignorable="mv" mc:PreserveAttributes="mv:*" show="0">
   <p:cSld>
     <p:spTree>
       <p:nvGrpSpPr>
@@ -57552,7 +57549,7 @@
 </file>
 
 <file path=ppt/slides/slide70.xml><?xml version="1.0" encoding="utf-8"?>
-<p:sld xmlns:a="http://schemas.openxmlformats.org/drawingml/2006/main" xmlns:r="http://schemas.openxmlformats.org/officeDocument/2006/relationships" xmlns:mc="http://schemas.openxmlformats.org/markup-compatibility/2006" xmlns:mv="urn:schemas-microsoft-com:mac:vml" xmlns:p="http://schemas.openxmlformats.org/presentationml/2006/main" mc:Ignorable="mv" mc:PreserveAttributes="mv:*" show="0">
+<p:sld xmlns:a="http://schemas.openxmlformats.org/drawingml/2006/main" xmlns:r="http://schemas.openxmlformats.org/officeDocument/2006/relationships" xmlns:mc="http://schemas.openxmlformats.org/markup-compatibility/2006" xmlns:mv="urn:schemas-microsoft-com:mac:vml" xmlns:p="http://schemas.openxmlformats.org/presentationml/2006/main" mc:Ignorable="mv" mc:PreserveAttributes="mv:*">
   <p:cSld>
     <p:spTree>
       <p:nvGrpSpPr>
@@ -58214,7 +58211,11 @@
             </a:pPr>
             <a:r>
               <a:rPr lang="en-US" sz="11500" dirty="0" smtClean="0"/>
-              <a:t>1―3</a:t>
+              <a:t>1</a:t>
+            </a:r>
+            <a:r>
+              <a:rPr lang="en-US" sz="11500" dirty="0" smtClean="0"/>
+              <a:t>―4</a:t>
             </a:r>
             <a:endParaRPr lang="en-US" sz="12700" dirty="0" smtClean="0"/>
           </a:p>

--- a/spring11/slides11/slides3m.pptx
+++ b/spring11/slides11/slides3m.pptx
@@ -1000,7 +1000,7 @@
           <a:bodyPr/>
           <a:lstStyle/>
           <a:p>
-            <a:endParaRPr lang="en-US"/>
+            <a:endParaRPr lang="en-US" dirty="0"/>
           </a:p>
         </p:txBody>
       </p:sp>
@@ -8795,6 +8795,20 @@
               </a:rPr>
               <a:t>Sets &amp;</a:t>
             </a:r>
+            <a:endParaRPr kumimoji="0" lang="en-US" sz="8000" b="0" i="0" u="none" strike="noStrike" kern="0" cap="none" spc="0" normalizeH="0" baseline="0" noProof="0" dirty="0" smtClean="0">
+              <a:ln>
+                <a:noFill/>
+              </a:ln>
+              <a:solidFill>
+                <a:schemeClr val="tx2"/>
+              </a:solidFill>
+              <a:effectLst/>
+              <a:uLnTx/>
+              <a:uFillTx/>
+              <a:latin typeface="Comic Sans MS" pitchFamily="66" charset="0"/>
+              <a:ea typeface="+mj-ea"/>
+              <a:cs typeface="+mj-cs"/>
+            </a:endParaRPr>
           </a:p>
           <a:p>
             <a:pPr marL="0" marR="0" lvl="0" indent="0" algn="ctr" defTabSz="914400" rtl="0" eaLnBrk="1" fontAlgn="base" latinLnBrk="0" hangingPunct="1">
@@ -8815,7 +8829,7 @@
               <a:defRPr/>
             </a:pPr>
             <a:r>
-              <a:rPr lang="en-US" sz="8000" kern="0" smtClean="0">
+              <a:rPr lang="en-US" sz="8000" kern="0" dirty="0" smtClean="0">
                 <a:solidFill>
                   <a:schemeClr val="tx2"/>
                 </a:solidFill>
@@ -8823,7 +8837,7 @@
                 <a:ea typeface="+mj-ea"/>
                 <a:cs typeface="+mj-cs"/>
               </a:rPr>
-              <a:t>Functions</a:t>
+              <a:t>Relations</a:t>
             </a:r>
             <a:endParaRPr kumimoji="0" lang="en-US" sz="8000" b="0" i="0" u="none" strike="noStrike" kern="0" cap="none" spc="0" normalizeH="0" baseline="0" noProof="0" dirty="0">
               <a:ln>
